--- a/doc/Presentation_SiweiLiu(Maggie).pptx
+++ b/doc/Presentation_SiweiLiu(Maggie).pptx
@@ -11,9 +11,9 @@
     <p:sldId id="259" r:id="rId5"/>
     <p:sldId id="261" r:id="rId6"/>
     <p:sldId id="262" r:id="rId7"/>
-    <p:sldId id="265" r:id="rId8"/>
-    <p:sldId id="266" r:id="rId9"/>
-    <p:sldId id="267" r:id="rId10"/>
+    <p:sldId id="267" r:id="rId8"/>
+    <p:sldId id="265" r:id="rId9"/>
+    <p:sldId id="266" r:id="rId10"/>
     <p:sldId id="263" r:id="rId11"/>
     <p:sldId id="264" r:id="rId12"/>
     <p:sldId id="260" r:id="rId13"/>
@@ -5227,6 +5227,66 @@
       </p:grpSpPr>
       <p:pic>
         <p:nvPicPr>
+          <p:cNvPr id="2" name="Picture 1">
+            <a:extLst>
+              <a:ext uri="{FF2B5EF4-FFF2-40B4-BE49-F238E27FC236}">
+                <a16:creationId xmlns:a16="http://schemas.microsoft.com/office/drawing/2014/main" id="{9E919DBF-827F-B64C-B9C0-02FDB42CA748}"/>
+              </a:ext>
+            </a:extLst>
+          </p:cNvPr>
+          <p:cNvPicPr>
+            <a:picLocks noChangeAspect="1"/>
+          </p:cNvPicPr>
+          <p:nvPr/>
+        </p:nvPicPr>
+        <p:blipFill>
+          <a:blip r:embed="rId2"/>
+          <a:stretch>
+            <a:fillRect/>
+          </a:stretch>
+        </p:blipFill>
+        <p:spPr>
+          <a:xfrm>
+            <a:off x="0" y="0"/>
+            <a:ext cx="12192000" cy="6858000"/>
+          </a:xfrm>
+          <a:prstGeom prst="rect">
+            <a:avLst/>
+          </a:prstGeom>
+        </p:spPr>
+      </p:pic>
+    </p:spTree>
+    <p:extLst>
+      <p:ext uri="{BB962C8B-B14F-4D97-AF65-F5344CB8AC3E}">
+        <p14:creationId xmlns:p14="http://schemas.microsoft.com/office/powerpoint/2010/main" val="1117762548"/>
+      </p:ext>
+    </p:extLst>
+  </p:cSld>
+  <p:clrMapOvr>
+    <a:masterClrMapping/>
+  </p:clrMapOvr>
+</p:sld>
+</file>
+
+<file path=ppt/slides/slide8.xml><?xml version="1.0" encoding="utf-8"?>
+<p:sld xmlns:a="http://schemas.openxmlformats.org/drawingml/2006/main" xmlns:r="http://schemas.openxmlformats.org/officeDocument/2006/relationships" xmlns:p="http://schemas.openxmlformats.org/presentationml/2006/main">
+  <p:cSld>
+    <p:spTree>
+      <p:nvGrpSpPr>
+        <p:cNvPr id="1" name=""/>
+        <p:cNvGrpSpPr/>
+        <p:nvPr/>
+      </p:nvGrpSpPr>
+      <p:grpSpPr>
+        <a:xfrm>
+          <a:off x="0" y="0"/>
+          <a:ext cx="0" cy="0"/>
+          <a:chOff x="0" y="0"/>
+          <a:chExt cx="0" cy="0"/>
+        </a:xfrm>
+      </p:grpSpPr>
+      <p:pic>
+        <p:nvPicPr>
           <p:cNvPr id="3" name="Picture 2">
             <a:extLst>
               <a:ext uri="{FF2B5EF4-FFF2-40B4-BE49-F238E27FC236}">
@@ -5268,7 +5328,7 @@
 </p:sld>
 </file>
 
-<file path=ppt/slides/slide8.xml><?xml version="1.0" encoding="utf-8"?>
+<file path=ppt/slides/slide9.xml><?xml version="1.0" encoding="utf-8"?>
 <p:sld xmlns:a="http://schemas.openxmlformats.org/drawingml/2006/main" xmlns:r="http://schemas.openxmlformats.org/officeDocument/2006/relationships" xmlns:p="http://schemas.openxmlformats.org/presentationml/2006/main">
   <p:cSld>
     <p:spTree>
@@ -5354,66 +5414,6 @@
     <p:extLst>
       <p:ext uri="{BB962C8B-B14F-4D97-AF65-F5344CB8AC3E}">
         <p14:creationId xmlns:p14="http://schemas.microsoft.com/office/powerpoint/2010/main" val="3037281242"/>
-      </p:ext>
-    </p:extLst>
-  </p:cSld>
-  <p:clrMapOvr>
-    <a:masterClrMapping/>
-  </p:clrMapOvr>
-</p:sld>
-</file>
-
-<file path=ppt/slides/slide9.xml><?xml version="1.0" encoding="utf-8"?>
-<p:sld xmlns:a="http://schemas.openxmlformats.org/drawingml/2006/main" xmlns:r="http://schemas.openxmlformats.org/officeDocument/2006/relationships" xmlns:p="http://schemas.openxmlformats.org/presentationml/2006/main">
-  <p:cSld>
-    <p:spTree>
-      <p:nvGrpSpPr>
-        <p:cNvPr id="1" name=""/>
-        <p:cNvGrpSpPr/>
-        <p:nvPr/>
-      </p:nvGrpSpPr>
-      <p:grpSpPr>
-        <a:xfrm>
-          <a:off x="0" y="0"/>
-          <a:ext cx="0" cy="0"/>
-          <a:chOff x="0" y="0"/>
-          <a:chExt cx="0" cy="0"/>
-        </a:xfrm>
-      </p:grpSpPr>
-      <p:pic>
-        <p:nvPicPr>
-          <p:cNvPr id="2" name="Picture 1">
-            <a:extLst>
-              <a:ext uri="{FF2B5EF4-FFF2-40B4-BE49-F238E27FC236}">
-                <a16:creationId xmlns:a16="http://schemas.microsoft.com/office/drawing/2014/main" id="{9E919DBF-827F-B64C-B9C0-02FDB42CA748}"/>
-              </a:ext>
-            </a:extLst>
-          </p:cNvPr>
-          <p:cNvPicPr>
-            <a:picLocks noChangeAspect="1"/>
-          </p:cNvPicPr>
-          <p:nvPr/>
-        </p:nvPicPr>
-        <p:blipFill>
-          <a:blip r:embed="rId2"/>
-          <a:stretch>
-            <a:fillRect/>
-          </a:stretch>
-        </p:blipFill>
-        <p:spPr>
-          <a:xfrm>
-            <a:off x="0" y="0"/>
-            <a:ext cx="12192000" cy="6858000"/>
-          </a:xfrm>
-          <a:prstGeom prst="rect">
-            <a:avLst/>
-          </a:prstGeom>
-        </p:spPr>
-      </p:pic>
-    </p:spTree>
-    <p:extLst>
-      <p:ext uri="{BB962C8B-B14F-4D97-AF65-F5344CB8AC3E}">
-        <p14:creationId xmlns:p14="http://schemas.microsoft.com/office/powerpoint/2010/main" val="1117762548"/>
       </p:ext>
     </p:extLst>
   </p:cSld>
